--- a/流程图.pptx
+++ b/流程图.pptx
@@ -7,6 +7,8 @@
   <p:sldIdLst>
     <p:sldId id="256" r:id="rId2"/>
     <p:sldId id="257" r:id="rId3"/>
+    <p:sldId id="258" r:id="rId4"/>
+    <p:sldId id="259" r:id="rId5"/>
   </p:sldIdLst>
   <p:sldSz cx="12192000" cy="6858000"/>
   <p:notesSz cx="6858000" cy="9144000"/>
@@ -244,7 +246,7 @@
           <a:p>
             <a:fld id="{A7DE0BFD-1F7A-744E-8B24-A96C3A353986}" type="datetimeFigureOut">
               <a:rPr kumimoji="1" lang="zh-CN" altLang="en-US" smtClean="0"/>
-              <a:t>15/8/3</a:t>
+              <a:t>15/8/4</a:t>
             </a:fld>
             <a:endParaRPr kumimoji="1" lang="zh-CN" altLang="en-US"/>
           </a:p>
@@ -414,7 +416,7 @@
           <a:p>
             <a:fld id="{A7DE0BFD-1F7A-744E-8B24-A96C3A353986}" type="datetimeFigureOut">
               <a:rPr kumimoji="1" lang="zh-CN" altLang="en-US" smtClean="0"/>
-              <a:t>15/8/3</a:t>
+              <a:t>15/8/4</a:t>
             </a:fld>
             <a:endParaRPr kumimoji="1" lang="zh-CN" altLang="en-US"/>
           </a:p>
@@ -594,7 +596,7 @@
           <a:p>
             <a:fld id="{A7DE0BFD-1F7A-744E-8B24-A96C3A353986}" type="datetimeFigureOut">
               <a:rPr kumimoji="1" lang="zh-CN" altLang="en-US" smtClean="0"/>
-              <a:t>15/8/3</a:t>
+              <a:t>15/8/4</a:t>
             </a:fld>
             <a:endParaRPr kumimoji="1" lang="zh-CN" altLang="en-US"/>
           </a:p>
@@ -764,7 +766,7 @@
           <a:p>
             <a:fld id="{A7DE0BFD-1F7A-744E-8B24-A96C3A353986}" type="datetimeFigureOut">
               <a:rPr kumimoji="1" lang="zh-CN" altLang="en-US" smtClean="0"/>
-              <a:t>15/8/3</a:t>
+              <a:t>15/8/4</a:t>
             </a:fld>
             <a:endParaRPr kumimoji="1" lang="zh-CN" altLang="en-US"/>
           </a:p>
@@ -1010,7 +1012,7 @@
           <a:p>
             <a:fld id="{A7DE0BFD-1F7A-744E-8B24-A96C3A353986}" type="datetimeFigureOut">
               <a:rPr kumimoji="1" lang="zh-CN" altLang="en-US" smtClean="0"/>
-              <a:t>15/8/3</a:t>
+              <a:t>15/8/4</a:t>
             </a:fld>
             <a:endParaRPr kumimoji="1" lang="zh-CN" altLang="en-US"/>
           </a:p>
@@ -1242,7 +1244,7 @@
           <a:p>
             <a:fld id="{A7DE0BFD-1F7A-744E-8B24-A96C3A353986}" type="datetimeFigureOut">
               <a:rPr kumimoji="1" lang="zh-CN" altLang="en-US" smtClean="0"/>
-              <a:t>15/8/3</a:t>
+              <a:t>15/8/4</a:t>
             </a:fld>
             <a:endParaRPr kumimoji="1" lang="zh-CN" altLang="en-US"/>
           </a:p>
@@ -1609,7 +1611,7 @@
           <a:p>
             <a:fld id="{A7DE0BFD-1F7A-744E-8B24-A96C3A353986}" type="datetimeFigureOut">
               <a:rPr kumimoji="1" lang="zh-CN" altLang="en-US" smtClean="0"/>
-              <a:t>15/8/3</a:t>
+              <a:t>15/8/4</a:t>
             </a:fld>
             <a:endParaRPr kumimoji="1" lang="zh-CN" altLang="en-US"/>
           </a:p>
@@ -1727,7 +1729,7 @@
           <a:p>
             <a:fld id="{A7DE0BFD-1F7A-744E-8B24-A96C3A353986}" type="datetimeFigureOut">
               <a:rPr kumimoji="1" lang="zh-CN" altLang="en-US" smtClean="0"/>
-              <a:t>15/8/3</a:t>
+              <a:t>15/8/4</a:t>
             </a:fld>
             <a:endParaRPr kumimoji="1" lang="zh-CN" altLang="en-US"/>
           </a:p>
@@ -1822,7 +1824,7 @@
           <a:p>
             <a:fld id="{A7DE0BFD-1F7A-744E-8B24-A96C3A353986}" type="datetimeFigureOut">
               <a:rPr kumimoji="1" lang="zh-CN" altLang="en-US" smtClean="0"/>
-              <a:t>15/8/3</a:t>
+              <a:t>15/8/4</a:t>
             </a:fld>
             <a:endParaRPr kumimoji="1" lang="zh-CN" altLang="en-US"/>
           </a:p>
@@ -2099,7 +2101,7 @@
           <a:p>
             <a:fld id="{A7DE0BFD-1F7A-744E-8B24-A96C3A353986}" type="datetimeFigureOut">
               <a:rPr kumimoji="1" lang="zh-CN" altLang="en-US" smtClean="0"/>
-              <a:t>15/8/3</a:t>
+              <a:t>15/8/4</a:t>
             </a:fld>
             <a:endParaRPr kumimoji="1" lang="zh-CN" altLang="en-US"/>
           </a:p>
@@ -2352,7 +2354,7 @@
           <a:p>
             <a:fld id="{A7DE0BFD-1F7A-744E-8B24-A96C3A353986}" type="datetimeFigureOut">
               <a:rPr kumimoji="1" lang="zh-CN" altLang="en-US" smtClean="0"/>
-              <a:t>15/8/3</a:t>
+              <a:t>15/8/4</a:t>
             </a:fld>
             <a:endParaRPr kumimoji="1" lang="zh-CN" altLang="en-US"/>
           </a:p>
@@ -2565,7 +2567,7 @@
           <a:p>
             <a:fld id="{A7DE0BFD-1F7A-744E-8B24-A96C3A353986}" type="datetimeFigureOut">
               <a:rPr kumimoji="1" lang="zh-CN" altLang="en-US" smtClean="0"/>
-              <a:t>15/8/3</a:t>
+              <a:t>15/8/4</a:t>
             </a:fld>
             <a:endParaRPr kumimoji="1" lang="zh-CN" altLang="en-US"/>
           </a:p>
@@ -4046,15 +4048,7 @@
             </a:r>
             <a:r>
               <a:rPr kumimoji="1" lang="en-US" altLang="zh-CN" dirty="0" smtClean="0"/>
-              <a:t>”</a:t>
-            </a:r>
-            <a:r>
-              <a:rPr kumimoji="1" lang="en-US" altLang="zh-CN" dirty="0" smtClean="0"/>
-              <a:t>Ni!</a:t>
-            </a:r>
-            <a:r>
-              <a:rPr kumimoji="1" lang="en-US" altLang="zh-CN" dirty="0" smtClean="0"/>
-              <a:t>”</a:t>
+              <a:t>”Ni!”</a:t>
             </a:r>
             <a:endParaRPr kumimoji="1" lang="zh-CN" altLang="en-US" dirty="0"/>
           </a:p>
@@ -4483,6 +4477,944 @@
     <p:extLst>
       <p:ext uri="{BB962C8B-B14F-4D97-AF65-F5344CB8AC3E}">
         <p14:creationId xmlns:p14="http://schemas.microsoft.com/office/powerpoint/2010/main" val="846930886"/>
+      </p:ext>
+    </p:extLst>
+  </p:cSld>
+  <p:clrMapOvr>
+    <a:masterClrMapping/>
+  </p:clrMapOvr>
+</p:sld>
+</file>
+
+<file path=ppt/slides/slide3.xml><?xml version="1.0" encoding="utf-8"?>
+<p:sld xmlns:a="http://schemas.openxmlformats.org/drawingml/2006/main" xmlns:r="http://schemas.openxmlformats.org/officeDocument/2006/relationships" xmlns:p="http://schemas.openxmlformats.org/presentationml/2006/main">
+  <p:cSld>
+    <p:spTree>
+      <p:nvGrpSpPr>
+        <p:cNvPr id="1" name=""/>
+        <p:cNvGrpSpPr/>
+        <p:nvPr/>
+      </p:nvGrpSpPr>
+      <p:grpSpPr>
+        <a:xfrm>
+          <a:off x="0" y="0"/>
+          <a:ext cx="0" cy="0"/>
+          <a:chOff x="0" y="0"/>
+          <a:chExt cx="0" cy="0"/>
+        </a:xfrm>
+      </p:grpSpPr>
+      <p:sp>
+        <p:nvSpPr>
+          <p:cNvPr id="4" name="可选流程 3"/>
+          <p:cNvSpPr/>
+          <p:nvPr/>
+        </p:nvSpPr>
+        <p:spPr>
+          <a:xfrm>
+            <a:off x="3380509" y="255542"/>
+            <a:ext cx="900546" cy="360218"/>
+          </a:xfrm>
+          <a:prstGeom prst="flowChartAlternateProcess">
+            <a:avLst/>
+          </a:prstGeom>
+        </p:spPr>
+        <p:style>
+          <a:lnRef idx="0">
+            <a:schemeClr val="accent6"/>
+          </a:lnRef>
+          <a:fillRef idx="3">
+            <a:schemeClr val="accent6"/>
+          </a:fillRef>
+          <a:effectRef idx="3">
+            <a:schemeClr val="accent6"/>
+          </a:effectRef>
+          <a:fontRef idx="minor">
+            <a:schemeClr val="lt1"/>
+          </a:fontRef>
+        </p:style>
+        <p:txBody>
+          <a:bodyPr rtlCol="0" anchor="ctr"/>
+          <a:lstStyle/>
+          <a:p>
+            <a:pPr algn="ctr"/>
+            <a:r>
+              <a:rPr kumimoji="1" lang="zh-CN" altLang="en-US" dirty="0" smtClean="0"/>
+              <a:t>开始</a:t>
+            </a:r>
+            <a:endParaRPr kumimoji="1" lang="zh-CN" altLang="en-US" dirty="0"/>
+          </a:p>
+        </p:txBody>
+      </p:sp>
+      <p:sp>
+        <p:nvSpPr>
+          <p:cNvPr id="7" name="决策 6"/>
+          <p:cNvSpPr/>
+          <p:nvPr/>
+        </p:nvSpPr>
+        <p:spPr>
+          <a:xfrm>
+            <a:off x="2736656" y="1325804"/>
+            <a:ext cx="2188246" cy="1303867"/>
+          </a:xfrm>
+          <a:prstGeom prst="flowChartDecision">
+            <a:avLst/>
+          </a:prstGeom>
+        </p:spPr>
+        <p:style>
+          <a:lnRef idx="2">
+            <a:schemeClr val="accent1">
+              <a:shade val="50000"/>
+            </a:schemeClr>
+          </a:lnRef>
+          <a:fillRef idx="1">
+            <a:schemeClr val="accent1"/>
+          </a:fillRef>
+          <a:effectRef idx="0">
+            <a:schemeClr val="accent1"/>
+          </a:effectRef>
+          <a:fontRef idx="minor">
+            <a:schemeClr val="lt1"/>
+          </a:fontRef>
+        </p:style>
+        <p:txBody>
+          <a:bodyPr rtlCol="0" anchor="ctr"/>
+          <a:lstStyle/>
+          <a:p>
+            <a:pPr algn="ctr"/>
+            <a:r>
+              <a:rPr kumimoji="1" lang="zh-CN" altLang="en-US" dirty="0" smtClean="0"/>
+              <a:t>条件</a:t>
+            </a:r>
+            <a:endParaRPr kumimoji="1" lang="zh-CN" altLang="en-US" dirty="0"/>
+          </a:p>
+        </p:txBody>
+      </p:sp>
+      <p:sp>
+        <p:nvSpPr>
+          <p:cNvPr id="10" name="可选流程 9"/>
+          <p:cNvSpPr/>
+          <p:nvPr/>
+        </p:nvSpPr>
+        <p:spPr>
+          <a:xfrm>
+            <a:off x="3380509" y="4774619"/>
+            <a:ext cx="900546" cy="360218"/>
+          </a:xfrm>
+          <a:prstGeom prst="flowChartAlternateProcess">
+            <a:avLst/>
+          </a:prstGeom>
+        </p:spPr>
+        <p:style>
+          <a:lnRef idx="0">
+            <a:schemeClr val="accent2"/>
+          </a:lnRef>
+          <a:fillRef idx="3">
+            <a:schemeClr val="accent2"/>
+          </a:fillRef>
+          <a:effectRef idx="3">
+            <a:schemeClr val="accent2"/>
+          </a:effectRef>
+          <a:fontRef idx="minor">
+            <a:schemeClr val="lt1"/>
+          </a:fontRef>
+        </p:style>
+        <p:txBody>
+          <a:bodyPr rtlCol="0" anchor="ctr"/>
+          <a:lstStyle/>
+          <a:p>
+            <a:pPr algn="ctr"/>
+            <a:r>
+              <a:rPr kumimoji="1" lang="zh-CN" altLang="en-US" dirty="0" smtClean="0"/>
+              <a:t>结束</a:t>
+            </a:r>
+            <a:endParaRPr kumimoji="1" lang="zh-CN" altLang="en-US" dirty="0"/>
+          </a:p>
+        </p:txBody>
+      </p:sp>
+      <p:cxnSp>
+        <p:nvCxnSpPr>
+          <p:cNvPr id="11" name="直线箭头连接符 10"/>
+          <p:cNvCxnSpPr>
+            <a:stCxn id="7" idx="0"/>
+            <a:endCxn id="4" idx="2"/>
+          </p:cNvCxnSpPr>
+          <p:nvPr/>
+        </p:nvCxnSpPr>
+        <p:spPr>
+          <a:xfrm flipV="1">
+            <a:off x="3830779" y="615760"/>
+            <a:ext cx="3" cy="710044"/>
+          </a:xfrm>
+          <a:prstGeom prst="straightConnector1">
+            <a:avLst/>
+          </a:prstGeom>
+          <a:ln w="25400">
+            <a:headEnd type="arrow" w="lg" len="lg"/>
+            <a:tailEnd type="oval" w="sm" len="sm"/>
+          </a:ln>
+        </p:spPr>
+        <p:style>
+          <a:lnRef idx="1">
+            <a:schemeClr val="accent1"/>
+          </a:lnRef>
+          <a:fillRef idx="0">
+            <a:schemeClr val="accent1"/>
+          </a:fillRef>
+          <a:effectRef idx="0">
+            <a:schemeClr val="accent1"/>
+          </a:effectRef>
+          <a:fontRef idx="minor">
+            <a:schemeClr val="tx1"/>
+          </a:fontRef>
+        </p:style>
+      </p:cxnSp>
+      <p:sp>
+        <p:nvSpPr>
+          <p:cNvPr id="16" name="文本框 15"/>
+          <p:cNvSpPr txBox="1"/>
+          <p:nvPr/>
+        </p:nvSpPr>
+        <p:spPr>
+          <a:xfrm>
+            <a:off x="1618959" y="1608405"/>
+            <a:ext cx="1150688" cy="369332"/>
+          </a:xfrm>
+          <a:prstGeom prst="rect">
+            <a:avLst/>
+          </a:prstGeom>
+          <a:noFill/>
+        </p:spPr>
+        <p:txBody>
+          <a:bodyPr wrap="square" rtlCol="0">
+            <a:spAutoFit/>
+          </a:bodyPr>
+          <a:lstStyle/>
+          <a:p>
+            <a:r>
+              <a:rPr kumimoji="1" lang="zh-CN" altLang="en-US" dirty="0" smtClean="0"/>
+              <a:t>真（</a:t>
+            </a:r>
+            <a:r>
+              <a:rPr kumimoji="1" lang="en-US" altLang="zh-CN" dirty="0" smtClean="0"/>
+              <a:t>True</a:t>
+            </a:r>
+            <a:r>
+              <a:rPr kumimoji="1" lang="zh-CN" altLang="en-US" dirty="0" smtClean="0"/>
+              <a:t>）</a:t>
+            </a:r>
+            <a:endParaRPr kumimoji="1" lang="zh-CN" altLang="en-US" dirty="0"/>
+          </a:p>
+        </p:txBody>
+      </p:sp>
+      <p:cxnSp>
+        <p:nvCxnSpPr>
+          <p:cNvPr id="18" name="肘形连接符 17"/>
+          <p:cNvCxnSpPr/>
+          <p:nvPr/>
+        </p:nvCxnSpPr>
+        <p:spPr>
+          <a:xfrm rot="10800000" flipV="1">
+            <a:off x="1651950" y="1977737"/>
+            <a:ext cx="1483588" cy="1206112"/>
+          </a:xfrm>
+          <a:prstGeom prst="bentConnector2">
+            <a:avLst/>
+          </a:prstGeom>
+          <a:ln w="25400">
+            <a:headEnd type="none" w="sm" len="sm"/>
+            <a:tailEnd type="stealth" w="lg" len="lg"/>
+          </a:ln>
+        </p:spPr>
+        <p:style>
+          <a:lnRef idx="1">
+            <a:schemeClr val="accent1"/>
+          </a:lnRef>
+          <a:fillRef idx="0">
+            <a:schemeClr val="accent1"/>
+          </a:fillRef>
+          <a:effectRef idx="0">
+            <a:schemeClr val="accent1"/>
+          </a:effectRef>
+          <a:fontRef idx="minor">
+            <a:schemeClr val="tx1"/>
+          </a:fontRef>
+        </p:style>
+      </p:cxnSp>
+      <p:sp>
+        <p:nvSpPr>
+          <p:cNvPr id="25" name="进程 24"/>
+          <p:cNvSpPr/>
+          <p:nvPr/>
+        </p:nvSpPr>
+        <p:spPr>
+          <a:xfrm>
+            <a:off x="581402" y="3183850"/>
+            <a:ext cx="2155254" cy="1155700"/>
+          </a:xfrm>
+          <a:prstGeom prst="flowChartProcess">
+            <a:avLst/>
+          </a:prstGeom>
+        </p:spPr>
+        <p:style>
+          <a:lnRef idx="2">
+            <a:schemeClr val="accent1">
+              <a:shade val="50000"/>
+            </a:schemeClr>
+          </a:lnRef>
+          <a:fillRef idx="1">
+            <a:schemeClr val="accent1"/>
+          </a:fillRef>
+          <a:effectRef idx="0">
+            <a:schemeClr val="accent1"/>
+          </a:effectRef>
+          <a:fontRef idx="minor">
+            <a:schemeClr val="lt1"/>
+          </a:fontRef>
+        </p:style>
+        <p:txBody>
+          <a:bodyPr rtlCol="0" anchor="ctr"/>
+          <a:lstStyle/>
+          <a:p>
+            <a:pPr algn="ctr"/>
+            <a:r>
+              <a:rPr kumimoji="1" lang="en-US" altLang="zh-CN" dirty="0" smtClean="0"/>
+              <a:t>if</a:t>
+            </a:r>
+            <a:r>
+              <a:rPr kumimoji="1" lang="zh-CN" altLang="en-US" dirty="0" smtClean="0"/>
+              <a:t>语句代码块</a:t>
+            </a:r>
+            <a:endParaRPr kumimoji="1" lang="zh-CN" altLang="en-US" dirty="0"/>
+          </a:p>
+        </p:txBody>
+      </p:sp>
+      <p:cxnSp>
+        <p:nvCxnSpPr>
+          <p:cNvPr id="26" name="直线箭头连接符 25"/>
+          <p:cNvCxnSpPr>
+            <a:stCxn id="10" idx="0"/>
+            <a:endCxn id="7" idx="2"/>
+          </p:cNvCxnSpPr>
+          <p:nvPr/>
+        </p:nvCxnSpPr>
+        <p:spPr>
+          <a:xfrm flipH="1" flipV="1">
+            <a:off x="3830779" y="2629671"/>
+            <a:ext cx="3" cy="2144948"/>
+          </a:xfrm>
+          <a:prstGeom prst="straightConnector1">
+            <a:avLst/>
+          </a:prstGeom>
+          <a:ln w="25400">
+            <a:headEnd type="arrow" w="lg" len="lg"/>
+            <a:tailEnd type="oval" w="sm" len="sm"/>
+          </a:ln>
+        </p:spPr>
+        <p:style>
+          <a:lnRef idx="1">
+            <a:schemeClr val="accent1"/>
+          </a:lnRef>
+          <a:fillRef idx="0">
+            <a:schemeClr val="accent1"/>
+          </a:fillRef>
+          <a:effectRef idx="0">
+            <a:schemeClr val="accent1"/>
+          </a:effectRef>
+          <a:fontRef idx="minor">
+            <a:schemeClr val="tx1"/>
+          </a:fontRef>
+        </p:style>
+      </p:cxnSp>
+      <p:sp>
+        <p:nvSpPr>
+          <p:cNvPr id="28" name="文本框 27"/>
+          <p:cNvSpPr txBox="1"/>
+          <p:nvPr/>
+        </p:nvSpPr>
+        <p:spPr>
+          <a:xfrm>
+            <a:off x="3834345" y="2881222"/>
+            <a:ext cx="1150688" cy="369332"/>
+          </a:xfrm>
+          <a:prstGeom prst="rect">
+            <a:avLst/>
+          </a:prstGeom>
+          <a:noFill/>
+        </p:spPr>
+        <p:txBody>
+          <a:bodyPr wrap="square" rtlCol="0">
+            <a:spAutoFit/>
+          </a:bodyPr>
+          <a:lstStyle/>
+          <a:p>
+            <a:r>
+              <a:rPr kumimoji="1" lang="zh-CN" altLang="en-US" dirty="0" smtClean="0"/>
+              <a:t>假（</a:t>
+            </a:r>
+            <a:r>
+              <a:rPr kumimoji="1" lang="en-US" altLang="zh-CN" dirty="0" smtClean="0"/>
+              <a:t>False</a:t>
+            </a:r>
+            <a:r>
+              <a:rPr kumimoji="1" lang="zh-CN" altLang="en-US" dirty="0" smtClean="0"/>
+              <a:t>）</a:t>
+            </a:r>
+            <a:endParaRPr kumimoji="1" lang="zh-CN" altLang="en-US" dirty="0"/>
+          </a:p>
+        </p:txBody>
+      </p:sp>
+      <p:cxnSp>
+        <p:nvCxnSpPr>
+          <p:cNvPr id="34" name="肘形连接符 33"/>
+          <p:cNvCxnSpPr>
+            <a:stCxn id="25" idx="2"/>
+            <a:endCxn id="10" idx="1"/>
+          </p:cNvCxnSpPr>
+          <p:nvPr/>
+        </p:nvCxnSpPr>
+        <p:spPr>
+          <a:xfrm rot="16200000" flipH="1">
+            <a:off x="2212180" y="3786399"/>
+            <a:ext cx="615178" cy="1721480"/>
+          </a:xfrm>
+          <a:prstGeom prst="bentConnector2">
+            <a:avLst/>
+          </a:prstGeom>
+          <a:ln w="25400">
+            <a:headEnd type="none" w="sm" len="sm"/>
+            <a:tailEnd type="stealth" w="lg" len="lg"/>
+          </a:ln>
+        </p:spPr>
+        <p:style>
+          <a:lnRef idx="1">
+            <a:schemeClr val="accent1"/>
+          </a:lnRef>
+          <a:fillRef idx="0">
+            <a:schemeClr val="accent1"/>
+          </a:fillRef>
+          <a:effectRef idx="0">
+            <a:schemeClr val="accent1"/>
+          </a:effectRef>
+          <a:fontRef idx="minor">
+            <a:schemeClr val="tx1"/>
+          </a:fontRef>
+        </p:style>
+      </p:cxnSp>
+    </p:spTree>
+    <p:extLst>
+      <p:ext uri="{BB962C8B-B14F-4D97-AF65-F5344CB8AC3E}">
+        <p14:creationId xmlns:p14="http://schemas.microsoft.com/office/powerpoint/2010/main" val="1681692777"/>
+      </p:ext>
+    </p:extLst>
+  </p:cSld>
+  <p:clrMapOvr>
+    <a:masterClrMapping/>
+  </p:clrMapOvr>
+</p:sld>
+</file>
+
+<file path=ppt/slides/slide4.xml><?xml version="1.0" encoding="utf-8"?>
+<p:sld xmlns:a="http://schemas.openxmlformats.org/drawingml/2006/main" xmlns:r="http://schemas.openxmlformats.org/officeDocument/2006/relationships" xmlns:p="http://schemas.openxmlformats.org/presentationml/2006/main">
+  <p:cSld>
+    <p:spTree>
+      <p:nvGrpSpPr>
+        <p:cNvPr id="1" name=""/>
+        <p:cNvGrpSpPr/>
+        <p:nvPr/>
+      </p:nvGrpSpPr>
+      <p:grpSpPr>
+        <a:xfrm>
+          <a:off x="0" y="0"/>
+          <a:ext cx="0" cy="0"/>
+          <a:chOff x="0" y="0"/>
+          <a:chExt cx="0" cy="0"/>
+        </a:xfrm>
+      </p:grpSpPr>
+      <p:sp>
+        <p:nvSpPr>
+          <p:cNvPr id="4" name="可选流程 3"/>
+          <p:cNvSpPr/>
+          <p:nvPr/>
+        </p:nvSpPr>
+        <p:spPr>
+          <a:xfrm>
+            <a:off x="3380509" y="255542"/>
+            <a:ext cx="900546" cy="360218"/>
+          </a:xfrm>
+          <a:prstGeom prst="flowChartAlternateProcess">
+            <a:avLst/>
+          </a:prstGeom>
+        </p:spPr>
+        <p:style>
+          <a:lnRef idx="0">
+            <a:schemeClr val="accent6"/>
+          </a:lnRef>
+          <a:fillRef idx="3">
+            <a:schemeClr val="accent6"/>
+          </a:fillRef>
+          <a:effectRef idx="3">
+            <a:schemeClr val="accent6"/>
+          </a:effectRef>
+          <a:fontRef idx="minor">
+            <a:schemeClr val="lt1"/>
+          </a:fontRef>
+        </p:style>
+        <p:txBody>
+          <a:bodyPr rtlCol="0" anchor="ctr"/>
+          <a:lstStyle/>
+          <a:p>
+            <a:pPr algn="ctr"/>
+            <a:r>
+              <a:rPr kumimoji="1" lang="zh-CN" altLang="en-US" dirty="0" smtClean="0"/>
+              <a:t>开始</a:t>
+            </a:r>
+            <a:endParaRPr kumimoji="1" lang="zh-CN" altLang="en-US" dirty="0"/>
+          </a:p>
+        </p:txBody>
+      </p:sp>
+      <p:sp>
+        <p:nvSpPr>
+          <p:cNvPr id="7" name="决策 6"/>
+          <p:cNvSpPr/>
+          <p:nvPr/>
+        </p:nvSpPr>
+        <p:spPr>
+          <a:xfrm>
+            <a:off x="2736656" y="1325804"/>
+            <a:ext cx="2188246" cy="1303867"/>
+          </a:xfrm>
+          <a:prstGeom prst="flowChartDecision">
+            <a:avLst/>
+          </a:prstGeom>
+        </p:spPr>
+        <p:style>
+          <a:lnRef idx="2">
+            <a:schemeClr val="accent1">
+              <a:shade val="50000"/>
+            </a:schemeClr>
+          </a:lnRef>
+          <a:fillRef idx="1">
+            <a:schemeClr val="accent1"/>
+          </a:fillRef>
+          <a:effectRef idx="0">
+            <a:schemeClr val="accent1"/>
+          </a:effectRef>
+          <a:fontRef idx="minor">
+            <a:schemeClr val="lt1"/>
+          </a:fontRef>
+        </p:style>
+        <p:txBody>
+          <a:bodyPr rtlCol="0" anchor="ctr"/>
+          <a:lstStyle/>
+          <a:p>
+            <a:pPr algn="ctr"/>
+            <a:r>
+              <a:rPr kumimoji="1" lang="zh-CN" altLang="en-US" dirty="0" smtClean="0"/>
+              <a:t>条件</a:t>
+            </a:r>
+            <a:endParaRPr kumimoji="1" lang="zh-CN" altLang="en-US" dirty="0"/>
+          </a:p>
+        </p:txBody>
+      </p:sp>
+      <p:sp>
+        <p:nvSpPr>
+          <p:cNvPr id="10" name="可选流程 9"/>
+          <p:cNvSpPr/>
+          <p:nvPr/>
+        </p:nvSpPr>
+        <p:spPr>
+          <a:xfrm>
+            <a:off x="3380509" y="4774619"/>
+            <a:ext cx="900546" cy="360218"/>
+          </a:xfrm>
+          <a:prstGeom prst="flowChartAlternateProcess">
+            <a:avLst/>
+          </a:prstGeom>
+        </p:spPr>
+        <p:style>
+          <a:lnRef idx="0">
+            <a:schemeClr val="accent2"/>
+          </a:lnRef>
+          <a:fillRef idx="3">
+            <a:schemeClr val="accent2"/>
+          </a:fillRef>
+          <a:effectRef idx="3">
+            <a:schemeClr val="accent2"/>
+          </a:effectRef>
+          <a:fontRef idx="minor">
+            <a:schemeClr val="lt1"/>
+          </a:fontRef>
+        </p:style>
+        <p:txBody>
+          <a:bodyPr rtlCol="0" anchor="ctr"/>
+          <a:lstStyle/>
+          <a:p>
+            <a:pPr algn="ctr"/>
+            <a:r>
+              <a:rPr kumimoji="1" lang="zh-CN" altLang="en-US" dirty="0" smtClean="0"/>
+              <a:t>结束</a:t>
+            </a:r>
+            <a:endParaRPr kumimoji="1" lang="zh-CN" altLang="en-US" dirty="0"/>
+          </a:p>
+        </p:txBody>
+      </p:sp>
+      <p:cxnSp>
+        <p:nvCxnSpPr>
+          <p:cNvPr id="11" name="直线箭头连接符 10"/>
+          <p:cNvCxnSpPr>
+            <a:stCxn id="7" idx="0"/>
+            <a:endCxn id="4" idx="2"/>
+          </p:cNvCxnSpPr>
+          <p:nvPr/>
+        </p:nvCxnSpPr>
+        <p:spPr>
+          <a:xfrm flipV="1">
+            <a:off x="3830779" y="615760"/>
+            <a:ext cx="3" cy="710044"/>
+          </a:xfrm>
+          <a:prstGeom prst="straightConnector1">
+            <a:avLst/>
+          </a:prstGeom>
+          <a:ln w="25400">
+            <a:headEnd type="arrow" w="lg" len="lg"/>
+            <a:tailEnd type="oval" w="sm" len="sm"/>
+          </a:ln>
+        </p:spPr>
+        <p:style>
+          <a:lnRef idx="1">
+            <a:schemeClr val="accent1"/>
+          </a:lnRef>
+          <a:fillRef idx="0">
+            <a:schemeClr val="accent1"/>
+          </a:fillRef>
+          <a:effectRef idx="0">
+            <a:schemeClr val="accent1"/>
+          </a:effectRef>
+          <a:fontRef idx="minor">
+            <a:schemeClr val="tx1"/>
+          </a:fontRef>
+        </p:style>
+      </p:cxnSp>
+      <p:sp>
+        <p:nvSpPr>
+          <p:cNvPr id="16" name="文本框 15"/>
+          <p:cNvSpPr txBox="1"/>
+          <p:nvPr/>
+        </p:nvSpPr>
+        <p:spPr>
+          <a:xfrm>
+            <a:off x="1618959" y="1608405"/>
+            <a:ext cx="1150688" cy="369332"/>
+          </a:xfrm>
+          <a:prstGeom prst="rect">
+            <a:avLst/>
+          </a:prstGeom>
+          <a:noFill/>
+        </p:spPr>
+        <p:txBody>
+          <a:bodyPr wrap="square" rtlCol="0">
+            <a:spAutoFit/>
+          </a:bodyPr>
+          <a:lstStyle/>
+          <a:p>
+            <a:r>
+              <a:rPr kumimoji="1" lang="zh-CN" altLang="en-US" dirty="0" smtClean="0"/>
+              <a:t>真（</a:t>
+            </a:r>
+            <a:r>
+              <a:rPr kumimoji="1" lang="en-US" altLang="zh-CN" dirty="0" smtClean="0"/>
+              <a:t>True</a:t>
+            </a:r>
+            <a:r>
+              <a:rPr kumimoji="1" lang="zh-CN" altLang="en-US" dirty="0" smtClean="0"/>
+              <a:t>）</a:t>
+            </a:r>
+            <a:endParaRPr kumimoji="1" lang="zh-CN" altLang="en-US" dirty="0"/>
+          </a:p>
+        </p:txBody>
+      </p:sp>
+      <p:cxnSp>
+        <p:nvCxnSpPr>
+          <p:cNvPr id="18" name="肘形连接符 17"/>
+          <p:cNvCxnSpPr/>
+          <p:nvPr/>
+        </p:nvCxnSpPr>
+        <p:spPr>
+          <a:xfrm rot="10800000" flipV="1">
+            <a:off x="1651950" y="1977737"/>
+            <a:ext cx="1483588" cy="1206112"/>
+          </a:xfrm>
+          <a:prstGeom prst="bentConnector2">
+            <a:avLst/>
+          </a:prstGeom>
+          <a:ln w="25400">
+            <a:headEnd type="none" w="sm" len="sm"/>
+            <a:tailEnd type="stealth" w="lg" len="lg"/>
+          </a:ln>
+        </p:spPr>
+        <p:style>
+          <a:lnRef idx="1">
+            <a:schemeClr val="accent1"/>
+          </a:lnRef>
+          <a:fillRef idx="0">
+            <a:schemeClr val="accent1"/>
+          </a:fillRef>
+          <a:effectRef idx="0">
+            <a:schemeClr val="accent1"/>
+          </a:effectRef>
+          <a:fontRef idx="minor">
+            <a:schemeClr val="tx1"/>
+          </a:fontRef>
+        </p:style>
+      </p:cxnSp>
+      <p:sp>
+        <p:nvSpPr>
+          <p:cNvPr id="25" name="进程 24"/>
+          <p:cNvSpPr/>
+          <p:nvPr/>
+        </p:nvSpPr>
+        <p:spPr>
+          <a:xfrm>
+            <a:off x="614393" y="3183850"/>
+            <a:ext cx="2155254" cy="1155700"/>
+          </a:xfrm>
+          <a:prstGeom prst="flowChartProcess">
+            <a:avLst/>
+          </a:prstGeom>
+        </p:spPr>
+        <p:style>
+          <a:lnRef idx="2">
+            <a:schemeClr val="accent1">
+              <a:shade val="50000"/>
+            </a:schemeClr>
+          </a:lnRef>
+          <a:fillRef idx="1">
+            <a:schemeClr val="accent1"/>
+          </a:fillRef>
+          <a:effectRef idx="0">
+            <a:schemeClr val="accent1"/>
+          </a:effectRef>
+          <a:fontRef idx="minor">
+            <a:schemeClr val="lt1"/>
+          </a:fontRef>
+        </p:style>
+        <p:txBody>
+          <a:bodyPr rtlCol="0" anchor="ctr"/>
+          <a:lstStyle/>
+          <a:p>
+            <a:pPr algn="ctr"/>
+            <a:r>
+              <a:rPr kumimoji="1" lang="en-US" altLang="zh-CN" dirty="0" smtClean="0"/>
+              <a:t>if</a:t>
+            </a:r>
+            <a:r>
+              <a:rPr kumimoji="1" lang="zh-CN" altLang="en-US" dirty="0" smtClean="0"/>
+              <a:t>语句代码块</a:t>
+            </a:r>
+            <a:endParaRPr kumimoji="1" lang="zh-CN" altLang="en-US" dirty="0"/>
+          </a:p>
+        </p:txBody>
+      </p:sp>
+      <p:sp>
+        <p:nvSpPr>
+          <p:cNvPr id="28" name="文本框 27"/>
+          <p:cNvSpPr txBox="1"/>
+          <p:nvPr/>
+        </p:nvSpPr>
+        <p:spPr>
+          <a:xfrm>
+            <a:off x="4888372" y="1608405"/>
+            <a:ext cx="1150688" cy="369332"/>
+          </a:xfrm>
+          <a:prstGeom prst="rect">
+            <a:avLst/>
+          </a:prstGeom>
+          <a:noFill/>
+        </p:spPr>
+        <p:txBody>
+          <a:bodyPr wrap="square" rtlCol="0">
+            <a:spAutoFit/>
+          </a:bodyPr>
+          <a:lstStyle/>
+          <a:p>
+            <a:r>
+              <a:rPr kumimoji="1" lang="zh-CN" altLang="en-US" dirty="0" smtClean="0"/>
+              <a:t>假（</a:t>
+            </a:r>
+            <a:r>
+              <a:rPr kumimoji="1" lang="en-US" altLang="zh-CN" dirty="0" smtClean="0"/>
+              <a:t>False</a:t>
+            </a:r>
+            <a:r>
+              <a:rPr kumimoji="1" lang="zh-CN" altLang="en-US" dirty="0" smtClean="0"/>
+              <a:t>）</a:t>
+            </a:r>
+            <a:endParaRPr kumimoji="1" lang="zh-CN" altLang="en-US" dirty="0"/>
+          </a:p>
+        </p:txBody>
+      </p:sp>
+      <p:cxnSp>
+        <p:nvCxnSpPr>
+          <p:cNvPr id="34" name="肘形连接符 33"/>
+          <p:cNvCxnSpPr>
+            <a:stCxn id="25" idx="2"/>
+            <a:endCxn id="10" idx="1"/>
+          </p:cNvCxnSpPr>
+          <p:nvPr/>
+        </p:nvCxnSpPr>
+        <p:spPr>
+          <a:xfrm rot="16200000" flipH="1">
+            <a:off x="2228675" y="3802894"/>
+            <a:ext cx="615178" cy="1688489"/>
+          </a:xfrm>
+          <a:prstGeom prst="bentConnector2">
+            <a:avLst/>
+          </a:prstGeom>
+          <a:ln w="25400">
+            <a:headEnd type="none" w="sm" len="sm"/>
+            <a:tailEnd type="stealth" w="lg" len="lg"/>
+          </a:ln>
+        </p:spPr>
+        <p:style>
+          <a:lnRef idx="1">
+            <a:schemeClr val="accent1"/>
+          </a:lnRef>
+          <a:fillRef idx="0">
+            <a:schemeClr val="accent1"/>
+          </a:fillRef>
+          <a:effectRef idx="0">
+            <a:schemeClr val="accent1"/>
+          </a:effectRef>
+          <a:fontRef idx="minor">
+            <a:schemeClr val="tx1"/>
+          </a:fontRef>
+        </p:style>
+      </p:cxnSp>
+      <p:sp>
+        <p:nvSpPr>
+          <p:cNvPr id="12" name="进程 11"/>
+          <p:cNvSpPr/>
+          <p:nvPr/>
+        </p:nvSpPr>
+        <p:spPr>
+          <a:xfrm>
+            <a:off x="4924902" y="3183850"/>
+            <a:ext cx="2155254" cy="1155700"/>
+          </a:xfrm>
+          <a:prstGeom prst="flowChartProcess">
+            <a:avLst/>
+          </a:prstGeom>
+        </p:spPr>
+        <p:style>
+          <a:lnRef idx="2">
+            <a:schemeClr val="accent1">
+              <a:shade val="50000"/>
+            </a:schemeClr>
+          </a:lnRef>
+          <a:fillRef idx="1">
+            <a:schemeClr val="accent1"/>
+          </a:fillRef>
+          <a:effectRef idx="0">
+            <a:schemeClr val="accent1"/>
+          </a:effectRef>
+          <a:fontRef idx="minor">
+            <a:schemeClr val="lt1"/>
+          </a:fontRef>
+        </p:style>
+        <p:txBody>
+          <a:bodyPr rtlCol="0" anchor="ctr"/>
+          <a:lstStyle/>
+          <a:p>
+            <a:pPr algn="ctr"/>
+            <a:r>
+              <a:rPr kumimoji="1" lang="en-US" altLang="zh-CN" dirty="0" smtClean="0"/>
+              <a:t>else</a:t>
+            </a:r>
+            <a:r>
+              <a:rPr kumimoji="1" lang="zh-CN" altLang="en-US" dirty="0" smtClean="0"/>
+              <a:t>语句代码块</a:t>
+            </a:r>
+            <a:endParaRPr kumimoji="1" lang="zh-CN" altLang="en-US" dirty="0"/>
+          </a:p>
+        </p:txBody>
+      </p:sp>
+      <p:cxnSp>
+        <p:nvCxnSpPr>
+          <p:cNvPr id="13" name="肘形连接符 12"/>
+          <p:cNvCxnSpPr>
+            <a:stCxn id="7" idx="3"/>
+            <a:endCxn id="12" idx="0"/>
+          </p:cNvCxnSpPr>
+          <p:nvPr/>
+        </p:nvCxnSpPr>
+        <p:spPr>
+          <a:xfrm>
+            <a:off x="4924902" y="1977738"/>
+            <a:ext cx="1077627" cy="1206112"/>
+          </a:xfrm>
+          <a:prstGeom prst="bentConnector2">
+            <a:avLst/>
+          </a:prstGeom>
+          <a:ln w="25400">
+            <a:headEnd type="none" w="sm" len="sm"/>
+            <a:tailEnd type="stealth" w="lg" len="lg"/>
+          </a:ln>
+        </p:spPr>
+        <p:style>
+          <a:lnRef idx="1">
+            <a:schemeClr val="accent1"/>
+          </a:lnRef>
+          <a:fillRef idx="0">
+            <a:schemeClr val="accent1"/>
+          </a:fillRef>
+          <a:effectRef idx="0">
+            <a:schemeClr val="accent1"/>
+          </a:effectRef>
+          <a:fontRef idx="minor">
+            <a:schemeClr val="tx1"/>
+          </a:fontRef>
+        </p:style>
+      </p:cxnSp>
+      <p:cxnSp>
+        <p:nvCxnSpPr>
+          <p:cNvPr id="19" name="肘形连接符 18"/>
+          <p:cNvCxnSpPr>
+            <a:stCxn id="12" idx="2"/>
+          </p:cNvCxnSpPr>
+          <p:nvPr/>
+        </p:nvCxnSpPr>
+        <p:spPr>
+          <a:xfrm rot="5400000">
+            <a:off x="4850695" y="3802896"/>
+            <a:ext cx="615180" cy="1688489"/>
+          </a:xfrm>
+          <a:prstGeom prst="bentConnector2">
+            <a:avLst/>
+          </a:prstGeom>
+          <a:ln w="25400">
+            <a:headEnd type="none" w="sm" len="sm"/>
+            <a:tailEnd type="stealth" w="lg" len="lg"/>
+          </a:ln>
+        </p:spPr>
+        <p:style>
+          <a:lnRef idx="1">
+            <a:schemeClr val="accent1"/>
+          </a:lnRef>
+          <a:fillRef idx="0">
+            <a:schemeClr val="accent1"/>
+          </a:fillRef>
+          <a:effectRef idx="0">
+            <a:schemeClr val="accent1"/>
+          </a:effectRef>
+          <a:fontRef idx="minor">
+            <a:schemeClr val="tx1"/>
+          </a:fontRef>
+        </p:style>
+      </p:cxnSp>
+    </p:spTree>
+    <p:extLst>
+      <p:ext uri="{BB962C8B-B14F-4D97-AF65-F5344CB8AC3E}">
+        <p14:creationId xmlns:p14="http://schemas.microsoft.com/office/powerpoint/2010/main" val="485560280"/>
       </p:ext>
     </p:extLst>
   </p:cSld>

--- a/流程图.pptx
+++ b/流程图.pptx
@@ -9,6 +9,7 @@
     <p:sldId id="257" r:id="rId3"/>
     <p:sldId id="258" r:id="rId4"/>
     <p:sldId id="259" r:id="rId5"/>
+    <p:sldId id="260" r:id="rId6"/>
   </p:sldIdLst>
   <p:sldSz cx="12192000" cy="6858000"/>
   <p:notesSz cx="6858000" cy="9144000"/>
@@ -5424,6 +5425,805 @@
 </p:sld>
 </file>
 
+<file path=ppt/slides/slide5.xml><?xml version="1.0" encoding="utf-8"?>
+<p:sld xmlns:a="http://schemas.openxmlformats.org/drawingml/2006/main" xmlns:r="http://schemas.openxmlformats.org/officeDocument/2006/relationships" xmlns:p="http://schemas.openxmlformats.org/presentationml/2006/main">
+  <p:cSld>
+    <p:spTree>
+      <p:nvGrpSpPr>
+        <p:cNvPr id="1" name=""/>
+        <p:cNvGrpSpPr/>
+        <p:nvPr/>
+      </p:nvGrpSpPr>
+      <p:grpSpPr>
+        <a:xfrm>
+          <a:off x="0" y="0"/>
+          <a:ext cx="0" cy="0"/>
+          <a:chOff x="0" y="0"/>
+          <a:chExt cx="0" cy="0"/>
+        </a:xfrm>
+      </p:grpSpPr>
+      <p:sp>
+        <p:nvSpPr>
+          <p:cNvPr id="4" name="可选流程 3"/>
+          <p:cNvSpPr/>
+          <p:nvPr/>
+        </p:nvSpPr>
+        <p:spPr>
+          <a:xfrm>
+            <a:off x="3380509" y="255542"/>
+            <a:ext cx="900546" cy="360218"/>
+          </a:xfrm>
+          <a:prstGeom prst="flowChartAlternateProcess">
+            <a:avLst/>
+          </a:prstGeom>
+        </p:spPr>
+        <p:style>
+          <a:lnRef idx="0">
+            <a:schemeClr val="accent6"/>
+          </a:lnRef>
+          <a:fillRef idx="3">
+            <a:schemeClr val="accent6"/>
+          </a:fillRef>
+          <a:effectRef idx="3">
+            <a:schemeClr val="accent6"/>
+          </a:effectRef>
+          <a:fontRef idx="minor">
+            <a:schemeClr val="lt1"/>
+          </a:fontRef>
+        </p:style>
+        <p:txBody>
+          <a:bodyPr rtlCol="0" anchor="ctr"/>
+          <a:lstStyle/>
+          <a:p>
+            <a:pPr algn="ctr"/>
+            <a:r>
+              <a:rPr kumimoji="1" lang="zh-CN" altLang="en-US" dirty="0" smtClean="0"/>
+              <a:t>开始</a:t>
+            </a:r>
+            <a:endParaRPr kumimoji="1" lang="zh-CN" altLang="en-US" dirty="0"/>
+          </a:p>
+        </p:txBody>
+      </p:sp>
+      <p:sp>
+        <p:nvSpPr>
+          <p:cNvPr id="7" name="决策 6"/>
+          <p:cNvSpPr/>
+          <p:nvPr/>
+        </p:nvSpPr>
+        <p:spPr>
+          <a:xfrm>
+            <a:off x="2736656" y="1325804"/>
+            <a:ext cx="2188246" cy="1303867"/>
+          </a:xfrm>
+          <a:prstGeom prst="flowChartDecision">
+            <a:avLst/>
+          </a:prstGeom>
+        </p:spPr>
+        <p:style>
+          <a:lnRef idx="2">
+            <a:schemeClr val="accent1">
+              <a:shade val="50000"/>
+            </a:schemeClr>
+          </a:lnRef>
+          <a:fillRef idx="1">
+            <a:schemeClr val="accent1"/>
+          </a:fillRef>
+          <a:effectRef idx="0">
+            <a:schemeClr val="accent1"/>
+          </a:effectRef>
+          <a:fontRef idx="minor">
+            <a:schemeClr val="lt1"/>
+          </a:fontRef>
+        </p:style>
+        <p:txBody>
+          <a:bodyPr rtlCol="0" anchor="ctr"/>
+          <a:lstStyle/>
+          <a:p>
+            <a:pPr algn="ctr"/>
+            <a:r>
+              <a:rPr kumimoji="1" lang="en-US" altLang="zh-CN" dirty="0" smtClean="0"/>
+              <a:t>if</a:t>
+            </a:r>
+            <a:r>
+              <a:rPr kumimoji="1" lang="zh-CN" altLang="en-US" dirty="0" smtClean="0"/>
+              <a:t>条件</a:t>
+            </a:r>
+            <a:endParaRPr kumimoji="1" lang="zh-CN" altLang="en-US" dirty="0"/>
+          </a:p>
+        </p:txBody>
+      </p:sp>
+      <p:sp>
+        <p:nvSpPr>
+          <p:cNvPr id="10" name="可选流程 9"/>
+          <p:cNvSpPr/>
+          <p:nvPr/>
+        </p:nvSpPr>
+        <p:spPr>
+          <a:xfrm>
+            <a:off x="3380506" y="6621312"/>
+            <a:ext cx="900546" cy="360218"/>
+          </a:xfrm>
+          <a:prstGeom prst="flowChartAlternateProcess">
+            <a:avLst/>
+          </a:prstGeom>
+        </p:spPr>
+        <p:style>
+          <a:lnRef idx="0">
+            <a:schemeClr val="accent2"/>
+          </a:lnRef>
+          <a:fillRef idx="3">
+            <a:schemeClr val="accent2"/>
+          </a:fillRef>
+          <a:effectRef idx="3">
+            <a:schemeClr val="accent2"/>
+          </a:effectRef>
+          <a:fontRef idx="minor">
+            <a:schemeClr val="lt1"/>
+          </a:fontRef>
+        </p:style>
+        <p:txBody>
+          <a:bodyPr rtlCol="0" anchor="ctr"/>
+          <a:lstStyle/>
+          <a:p>
+            <a:pPr algn="ctr"/>
+            <a:r>
+              <a:rPr kumimoji="1" lang="zh-CN" altLang="en-US" dirty="0" smtClean="0"/>
+              <a:t>结束</a:t>
+            </a:r>
+            <a:endParaRPr kumimoji="1" lang="zh-CN" altLang="en-US" dirty="0"/>
+          </a:p>
+        </p:txBody>
+      </p:sp>
+      <p:cxnSp>
+        <p:nvCxnSpPr>
+          <p:cNvPr id="11" name="直线箭头连接符 10"/>
+          <p:cNvCxnSpPr>
+            <a:stCxn id="7" idx="0"/>
+            <a:endCxn id="4" idx="2"/>
+          </p:cNvCxnSpPr>
+          <p:nvPr/>
+        </p:nvCxnSpPr>
+        <p:spPr>
+          <a:xfrm flipV="1">
+            <a:off x="3830779" y="615760"/>
+            <a:ext cx="3" cy="710044"/>
+          </a:xfrm>
+          <a:prstGeom prst="straightConnector1">
+            <a:avLst/>
+          </a:prstGeom>
+          <a:ln w="25400">
+            <a:headEnd type="arrow" w="lg" len="lg"/>
+            <a:tailEnd type="oval" w="sm" len="sm"/>
+          </a:ln>
+        </p:spPr>
+        <p:style>
+          <a:lnRef idx="1">
+            <a:schemeClr val="accent1"/>
+          </a:lnRef>
+          <a:fillRef idx="0">
+            <a:schemeClr val="accent1"/>
+          </a:fillRef>
+          <a:effectRef idx="0">
+            <a:schemeClr val="accent1"/>
+          </a:effectRef>
+          <a:fontRef idx="minor">
+            <a:schemeClr val="tx1"/>
+          </a:fontRef>
+        </p:style>
+      </p:cxnSp>
+      <p:sp>
+        <p:nvSpPr>
+          <p:cNvPr id="16" name="文本框 15"/>
+          <p:cNvSpPr txBox="1"/>
+          <p:nvPr/>
+        </p:nvSpPr>
+        <p:spPr>
+          <a:xfrm>
+            <a:off x="1618959" y="1608405"/>
+            <a:ext cx="1150688" cy="369332"/>
+          </a:xfrm>
+          <a:prstGeom prst="rect">
+            <a:avLst/>
+          </a:prstGeom>
+          <a:noFill/>
+        </p:spPr>
+        <p:txBody>
+          <a:bodyPr wrap="square" rtlCol="0">
+            <a:spAutoFit/>
+          </a:bodyPr>
+          <a:lstStyle/>
+          <a:p>
+            <a:r>
+              <a:rPr kumimoji="1" lang="zh-CN" altLang="en-US" dirty="0" smtClean="0"/>
+              <a:t>真（</a:t>
+            </a:r>
+            <a:r>
+              <a:rPr kumimoji="1" lang="en-US" altLang="zh-CN" dirty="0" smtClean="0"/>
+              <a:t>True</a:t>
+            </a:r>
+            <a:r>
+              <a:rPr kumimoji="1" lang="zh-CN" altLang="en-US" dirty="0" smtClean="0"/>
+              <a:t>）</a:t>
+            </a:r>
+            <a:endParaRPr kumimoji="1" lang="zh-CN" altLang="en-US" dirty="0"/>
+          </a:p>
+        </p:txBody>
+      </p:sp>
+      <p:cxnSp>
+        <p:nvCxnSpPr>
+          <p:cNvPr id="18" name="肘形连接符 17"/>
+          <p:cNvCxnSpPr/>
+          <p:nvPr/>
+        </p:nvCxnSpPr>
+        <p:spPr>
+          <a:xfrm rot="10800000" flipV="1">
+            <a:off x="1651950" y="1977737"/>
+            <a:ext cx="1483588" cy="1206112"/>
+          </a:xfrm>
+          <a:prstGeom prst="bentConnector2">
+            <a:avLst/>
+          </a:prstGeom>
+          <a:ln w="25400">
+            <a:headEnd type="none" w="sm" len="sm"/>
+            <a:tailEnd type="stealth" w="lg" len="lg"/>
+          </a:ln>
+        </p:spPr>
+        <p:style>
+          <a:lnRef idx="1">
+            <a:schemeClr val="accent1"/>
+          </a:lnRef>
+          <a:fillRef idx="0">
+            <a:schemeClr val="accent1"/>
+          </a:fillRef>
+          <a:effectRef idx="0">
+            <a:schemeClr val="accent1"/>
+          </a:effectRef>
+          <a:fontRef idx="minor">
+            <a:schemeClr val="tx1"/>
+          </a:fontRef>
+        </p:style>
+      </p:cxnSp>
+      <p:sp>
+        <p:nvSpPr>
+          <p:cNvPr id="25" name="进程 24"/>
+          <p:cNvSpPr/>
+          <p:nvPr/>
+        </p:nvSpPr>
+        <p:spPr>
+          <a:xfrm>
+            <a:off x="614393" y="3183850"/>
+            <a:ext cx="2155254" cy="1155700"/>
+          </a:xfrm>
+          <a:prstGeom prst="flowChartProcess">
+            <a:avLst/>
+          </a:prstGeom>
+        </p:spPr>
+        <p:style>
+          <a:lnRef idx="2">
+            <a:schemeClr val="accent1">
+              <a:shade val="50000"/>
+            </a:schemeClr>
+          </a:lnRef>
+          <a:fillRef idx="1">
+            <a:schemeClr val="accent1"/>
+          </a:fillRef>
+          <a:effectRef idx="0">
+            <a:schemeClr val="accent1"/>
+          </a:effectRef>
+          <a:fontRef idx="minor">
+            <a:schemeClr val="lt1"/>
+          </a:fontRef>
+        </p:style>
+        <p:txBody>
+          <a:bodyPr rtlCol="0" anchor="ctr"/>
+          <a:lstStyle/>
+          <a:p>
+            <a:pPr algn="ctr"/>
+            <a:r>
+              <a:rPr kumimoji="1" lang="en-US" altLang="zh-CN" dirty="0" smtClean="0"/>
+              <a:t>if</a:t>
+            </a:r>
+            <a:r>
+              <a:rPr kumimoji="1" lang="zh-CN" altLang="en-US" dirty="0" smtClean="0"/>
+              <a:t>语句代码块</a:t>
+            </a:r>
+            <a:endParaRPr kumimoji="1" lang="zh-CN" altLang="en-US" dirty="0"/>
+          </a:p>
+        </p:txBody>
+      </p:sp>
+      <p:sp>
+        <p:nvSpPr>
+          <p:cNvPr id="28" name="文本框 27"/>
+          <p:cNvSpPr txBox="1"/>
+          <p:nvPr/>
+        </p:nvSpPr>
+        <p:spPr>
+          <a:xfrm>
+            <a:off x="4888372" y="1608405"/>
+            <a:ext cx="1150688" cy="369332"/>
+          </a:xfrm>
+          <a:prstGeom prst="rect">
+            <a:avLst/>
+          </a:prstGeom>
+          <a:noFill/>
+        </p:spPr>
+        <p:txBody>
+          <a:bodyPr wrap="square" rtlCol="0">
+            <a:spAutoFit/>
+          </a:bodyPr>
+          <a:lstStyle/>
+          <a:p>
+            <a:r>
+              <a:rPr kumimoji="1" lang="zh-CN" altLang="en-US" dirty="0" smtClean="0"/>
+              <a:t>假（</a:t>
+            </a:r>
+            <a:r>
+              <a:rPr kumimoji="1" lang="en-US" altLang="zh-CN" dirty="0" smtClean="0"/>
+              <a:t>False</a:t>
+            </a:r>
+            <a:r>
+              <a:rPr kumimoji="1" lang="zh-CN" altLang="en-US" dirty="0" smtClean="0"/>
+              <a:t>）</a:t>
+            </a:r>
+            <a:endParaRPr kumimoji="1" lang="zh-CN" altLang="en-US" dirty="0"/>
+          </a:p>
+        </p:txBody>
+      </p:sp>
+      <p:cxnSp>
+        <p:nvCxnSpPr>
+          <p:cNvPr id="34" name="肘形连接符 33"/>
+          <p:cNvCxnSpPr>
+            <a:stCxn id="25" idx="2"/>
+            <a:endCxn id="10" idx="1"/>
+          </p:cNvCxnSpPr>
+          <p:nvPr/>
+        </p:nvCxnSpPr>
+        <p:spPr>
+          <a:xfrm rot="16200000" flipH="1">
+            <a:off x="1305328" y="4726242"/>
+            <a:ext cx="2461871" cy="1688486"/>
+          </a:xfrm>
+          <a:prstGeom prst="bentConnector2">
+            <a:avLst/>
+          </a:prstGeom>
+          <a:ln w="25400">
+            <a:headEnd type="none" w="sm" len="sm"/>
+            <a:tailEnd type="stealth" w="lg" len="lg"/>
+          </a:ln>
+        </p:spPr>
+        <p:style>
+          <a:lnRef idx="1">
+            <a:schemeClr val="accent1"/>
+          </a:lnRef>
+          <a:fillRef idx="0">
+            <a:schemeClr val="accent1"/>
+          </a:fillRef>
+          <a:effectRef idx="0">
+            <a:schemeClr val="accent1"/>
+          </a:effectRef>
+          <a:fontRef idx="minor">
+            <a:schemeClr val="tx1"/>
+          </a:fontRef>
+        </p:style>
+      </p:cxnSp>
+      <p:cxnSp>
+        <p:nvCxnSpPr>
+          <p:cNvPr id="13" name="肘形连接符 12"/>
+          <p:cNvCxnSpPr>
+            <a:stCxn id="7" idx="3"/>
+            <a:endCxn id="15" idx="0"/>
+          </p:cNvCxnSpPr>
+          <p:nvPr/>
+        </p:nvCxnSpPr>
+        <p:spPr>
+          <a:xfrm>
+            <a:off x="4924902" y="1977738"/>
+            <a:ext cx="2042827" cy="1132028"/>
+          </a:xfrm>
+          <a:prstGeom prst="bentConnector2">
+            <a:avLst/>
+          </a:prstGeom>
+          <a:ln w="25400">
+            <a:headEnd type="none" w="sm" len="sm"/>
+            <a:tailEnd type="stealth" w="lg" len="lg"/>
+          </a:ln>
+        </p:spPr>
+        <p:style>
+          <a:lnRef idx="1">
+            <a:schemeClr val="accent1"/>
+          </a:lnRef>
+          <a:fillRef idx="0">
+            <a:schemeClr val="accent1"/>
+          </a:fillRef>
+          <a:effectRef idx="0">
+            <a:schemeClr val="accent1"/>
+          </a:effectRef>
+          <a:fontRef idx="minor">
+            <a:schemeClr val="tx1"/>
+          </a:fontRef>
+        </p:style>
+      </p:cxnSp>
+      <p:cxnSp>
+        <p:nvCxnSpPr>
+          <p:cNvPr id="19" name="肘形连接符 18"/>
+          <p:cNvCxnSpPr>
+            <a:stCxn id="26" idx="2"/>
+            <a:endCxn id="10" idx="3"/>
+          </p:cNvCxnSpPr>
+          <p:nvPr/>
+        </p:nvCxnSpPr>
+        <p:spPr>
+          <a:xfrm rot="5400000">
+            <a:off x="5973754" y="3750688"/>
+            <a:ext cx="1358032" cy="4743435"/>
+          </a:xfrm>
+          <a:prstGeom prst="bentConnector2">
+            <a:avLst/>
+          </a:prstGeom>
+          <a:ln w="25400">
+            <a:headEnd type="none" w="sm" len="sm"/>
+            <a:tailEnd type="stealth" w="lg" len="lg"/>
+          </a:ln>
+        </p:spPr>
+        <p:style>
+          <a:lnRef idx="1">
+            <a:schemeClr val="accent1"/>
+          </a:lnRef>
+          <a:fillRef idx="0">
+            <a:schemeClr val="accent1"/>
+          </a:fillRef>
+          <a:effectRef idx="0">
+            <a:schemeClr val="accent1"/>
+          </a:effectRef>
+          <a:fontRef idx="minor">
+            <a:schemeClr val="tx1"/>
+          </a:fontRef>
+        </p:style>
+      </p:cxnSp>
+      <p:sp>
+        <p:nvSpPr>
+          <p:cNvPr id="15" name="决策 14"/>
+          <p:cNvSpPr/>
+          <p:nvPr/>
+        </p:nvSpPr>
+        <p:spPr>
+          <a:xfrm>
+            <a:off x="5873606" y="3109766"/>
+            <a:ext cx="2188246" cy="1303867"/>
+          </a:xfrm>
+          <a:prstGeom prst="flowChartDecision">
+            <a:avLst/>
+          </a:prstGeom>
+        </p:spPr>
+        <p:style>
+          <a:lnRef idx="2">
+            <a:schemeClr val="accent1">
+              <a:shade val="50000"/>
+            </a:schemeClr>
+          </a:lnRef>
+          <a:fillRef idx="1">
+            <a:schemeClr val="accent1"/>
+          </a:fillRef>
+          <a:effectRef idx="0">
+            <a:schemeClr val="accent1"/>
+          </a:effectRef>
+          <a:fontRef idx="minor">
+            <a:schemeClr val="lt1"/>
+          </a:fontRef>
+        </p:style>
+        <p:txBody>
+          <a:bodyPr rtlCol="0" anchor="ctr"/>
+          <a:lstStyle/>
+          <a:p>
+            <a:pPr algn="ctr"/>
+            <a:r>
+              <a:rPr kumimoji="1" lang="en-US" altLang="zh-CN" dirty="0" err="1" smtClean="0"/>
+              <a:t>elif</a:t>
+            </a:r>
+            <a:r>
+              <a:rPr kumimoji="1" lang="zh-CN" altLang="en-US" dirty="0" smtClean="0"/>
+              <a:t>条件</a:t>
+            </a:r>
+            <a:endParaRPr kumimoji="1" lang="zh-CN" altLang="en-US" dirty="0"/>
+          </a:p>
+        </p:txBody>
+      </p:sp>
+      <p:sp>
+        <p:nvSpPr>
+          <p:cNvPr id="20" name="文本框 19"/>
+          <p:cNvSpPr txBox="1"/>
+          <p:nvPr/>
+        </p:nvSpPr>
+        <p:spPr>
+          <a:xfrm>
+            <a:off x="4397013" y="3392367"/>
+            <a:ext cx="1150688" cy="369332"/>
+          </a:xfrm>
+          <a:prstGeom prst="rect">
+            <a:avLst/>
+          </a:prstGeom>
+          <a:noFill/>
+        </p:spPr>
+        <p:txBody>
+          <a:bodyPr wrap="square" rtlCol="0">
+            <a:spAutoFit/>
+          </a:bodyPr>
+          <a:lstStyle/>
+          <a:p>
+            <a:r>
+              <a:rPr kumimoji="1" lang="zh-CN" altLang="en-US" dirty="0" smtClean="0"/>
+              <a:t>真（</a:t>
+            </a:r>
+            <a:r>
+              <a:rPr kumimoji="1" lang="en-US" altLang="zh-CN" dirty="0" smtClean="0"/>
+              <a:t>True</a:t>
+            </a:r>
+            <a:r>
+              <a:rPr kumimoji="1" lang="zh-CN" altLang="en-US" dirty="0" smtClean="0"/>
+              <a:t>）</a:t>
+            </a:r>
+            <a:endParaRPr kumimoji="1" lang="zh-CN" altLang="en-US" dirty="0"/>
+          </a:p>
+        </p:txBody>
+      </p:sp>
+      <p:cxnSp>
+        <p:nvCxnSpPr>
+          <p:cNvPr id="21" name="肘形连接符 20"/>
+          <p:cNvCxnSpPr>
+            <a:endCxn id="24" idx="0"/>
+          </p:cNvCxnSpPr>
+          <p:nvPr/>
+        </p:nvCxnSpPr>
+        <p:spPr>
+          <a:xfrm rot="10800000" flipV="1">
+            <a:off x="4931608" y="3761697"/>
+            <a:ext cx="981987" cy="525991"/>
+          </a:xfrm>
+          <a:prstGeom prst="bentConnector2">
+            <a:avLst/>
+          </a:prstGeom>
+          <a:ln w="25400">
+            <a:headEnd type="none" w="sm" len="sm"/>
+            <a:tailEnd type="stealth" w="lg" len="lg"/>
+          </a:ln>
+        </p:spPr>
+        <p:style>
+          <a:lnRef idx="1">
+            <a:schemeClr val="accent1"/>
+          </a:lnRef>
+          <a:fillRef idx="0">
+            <a:schemeClr val="accent1"/>
+          </a:fillRef>
+          <a:effectRef idx="0">
+            <a:schemeClr val="accent1"/>
+          </a:effectRef>
+          <a:fontRef idx="minor">
+            <a:schemeClr val="tx1"/>
+          </a:fontRef>
+        </p:style>
+      </p:cxnSp>
+      <p:sp>
+        <p:nvSpPr>
+          <p:cNvPr id="22" name="文本框 21"/>
+          <p:cNvSpPr txBox="1"/>
+          <p:nvPr/>
+        </p:nvSpPr>
+        <p:spPr>
+          <a:xfrm>
+            <a:off x="8025322" y="3404203"/>
+            <a:ext cx="1150688" cy="369332"/>
+          </a:xfrm>
+          <a:prstGeom prst="rect">
+            <a:avLst/>
+          </a:prstGeom>
+          <a:noFill/>
+        </p:spPr>
+        <p:txBody>
+          <a:bodyPr wrap="square" rtlCol="0">
+            <a:spAutoFit/>
+          </a:bodyPr>
+          <a:lstStyle/>
+          <a:p>
+            <a:r>
+              <a:rPr kumimoji="1" lang="zh-CN" altLang="en-US" dirty="0" smtClean="0"/>
+              <a:t>假（</a:t>
+            </a:r>
+            <a:r>
+              <a:rPr kumimoji="1" lang="en-US" altLang="zh-CN" dirty="0" smtClean="0"/>
+              <a:t>False</a:t>
+            </a:r>
+            <a:r>
+              <a:rPr kumimoji="1" lang="zh-CN" altLang="en-US" dirty="0" smtClean="0"/>
+              <a:t>）</a:t>
+            </a:r>
+            <a:endParaRPr kumimoji="1" lang="zh-CN" altLang="en-US" dirty="0"/>
+          </a:p>
+        </p:txBody>
+      </p:sp>
+      <p:cxnSp>
+        <p:nvCxnSpPr>
+          <p:cNvPr id="23" name="肘形连接符 22"/>
+          <p:cNvCxnSpPr>
+            <a:endCxn id="26" idx="0"/>
+          </p:cNvCxnSpPr>
+          <p:nvPr/>
+        </p:nvCxnSpPr>
+        <p:spPr>
+          <a:xfrm>
+            <a:off x="8061852" y="3773537"/>
+            <a:ext cx="962635" cy="514152"/>
+          </a:xfrm>
+          <a:prstGeom prst="bentConnector2">
+            <a:avLst/>
+          </a:prstGeom>
+          <a:ln w="25400">
+            <a:headEnd type="none" w="sm" len="sm"/>
+            <a:tailEnd type="stealth" w="lg" len="lg"/>
+          </a:ln>
+        </p:spPr>
+        <p:style>
+          <a:lnRef idx="1">
+            <a:schemeClr val="accent1"/>
+          </a:lnRef>
+          <a:fillRef idx="0">
+            <a:schemeClr val="accent1"/>
+          </a:fillRef>
+          <a:effectRef idx="0">
+            <a:schemeClr val="accent1"/>
+          </a:effectRef>
+          <a:fontRef idx="minor">
+            <a:schemeClr val="tx1"/>
+          </a:fontRef>
+        </p:style>
+      </p:cxnSp>
+      <p:sp>
+        <p:nvSpPr>
+          <p:cNvPr id="24" name="进程 23"/>
+          <p:cNvSpPr/>
+          <p:nvPr/>
+        </p:nvSpPr>
+        <p:spPr>
+          <a:xfrm>
+            <a:off x="3853980" y="4287689"/>
+            <a:ext cx="2155254" cy="1155700"/>
+          </a:xfrm>
+          <a:prstGeom prst="flowChartProcess">
+            <a:avLst/>
+          </a:prstGeom>
+        </p:spPr>
+        <p:style>
+          <a:lnRef idx="2">
+            <a:schemeClr val="accent1">
+              <a:shade val="50000"/>
+            </a:schemeClr>
+          </a:lnRef>
+          <a:fillRef idx="1">
+            <a:schemeClr val="accent1"/>
+          </a:fillRef>
+          <a:effectRef idx="0">
+            <a:schemeClr val="accent1"/>
+          </a:effectRef>
+          <a:fontRef idx="minor">
+            <a:schemeClr val="lt1"/>
+          </a:fontRef>
+        </p:style>
+        <p:txBody>
+          <a:bodyPr rtlCol="0" anchor="ctr"/>
+          <a:lstStyle/>
+          <a:p>
+            <a:pPr algn="ctr"/>
+            <a:r>
+              <a:rPr kumimoji="1" lang="en-US" altLang="zh-CN" dirty="0" err="1" smtClean="0"/>
+              <a:t>elif</a:t>
+            </a:r>
+            <a:r>
+              <a:rPr kumimoji="1" lang="zh-CN" altLang="en-US" dirty="0" smtClean="0"/>
+              <a:t>语句代码块</a:t>
+            </a:r>
+            <a:endParaRPr kumimoji="1" lang="zh-CN" altLang="en-US" dirty="0"/>
+          </a:p>
+        </p:txBody>
+      </p:sp>
+      <p:sp>
+        <p:nvSpPr>
+          <p:cNvPr id="26" name="进程 25"/>
+          <p:cNvSpPr/>
+          <p:nvPr/>
+        </p:nvSpPr>
+        <p:spPr>
+          <a:xfrm>
+            <a:off x="7946860" y="4287689"/>
+            <a:ext cx="2155254" cy="1155700"/>
+          </a:xfrm>
+          <a:prstGeom prst="flowChartProcess">
+            <a:avLst/>
+          </a:prstGeom>
+        </p:spPr>
+        <p:style>
+          <a:lnRef idx="2">
+            <a:schemeClr val="accent1">
+              <a:shade val="50000"/>
+            </a:schemeClr>
+          </a:lnRef>
+          <a:fillRef idx="1">
+            <a:schemeClr val="accent1"/>
+          </a:fillRef>
+          <a:effectRef idx="0">
+            <a:schemeClr val="accent1"/>
+          </a:effectRef>
+          <a:fontRef idx="minor">
+            <a:schemeClr val="lt1"/>
+          </a:fontRef>
+        </p:style>
+        <p:txBody>
+          <a:bodyPr rtlCol="0" anchor="ctr"/>
+          <a:lstStyle/>
+          <a:p>
+            <a:pPr algn="ctr"/>
+            <a:r>
+              <a:rPr kumimoji="1" lang="en-US" altLang="zh-CN" dirty="0" smtClean="0"/>
+              <a:t>else</a:t>
+            </a:r>
+            <a:r>
+              <a:rPr kumimoji="1" lang="zh-CN" altLang="en-US" dirty="0" smtClean="0"/>
+              <a:t>语句代码块</a:t>
+            </a:r>
+            <a:endParaRPr kumimoji="1" lang="zh-CN" altLang="en-US" dirty="0"/>
+          </a:p>
+        </p:txBody>
+      </p:sp>
+      <p:cxnSp>
+        <p:nvCxnSpPr>
+          <p:cNvPr id="31" name="肘形连接符 30"/>
+          <p:cNvCxnSpPr>
+            <a:stCxn id="24" idx="2"/>
+            <a:endCxn id="10" idx="0"/>
+          </p:cNvCxnSpPr>
+          <p:nvPr/>
+        </p:nvCxnSpPr>
+        <p:spPr>
+          <a:xfrm rot="5400000">
+            <a:off x="3792232" y="5481936"/>
+            <a:ext cx="1177923" cy="1100828"/>
+          </a:xfrm>
+          <a:prstGeom prst="bentConnector3">
+            <a:avLst>
+              <a:gd name="adj1" fmla="val 50000"/>
+            </a:avLst>
+          </a:prstGeom>
+          <a:ln w="25400">
+            <a:headEnd type="none" w="sm" len="sm"/>
+            <a:tailEnd type="stealth" w="lg" len="lg"/>
+          </a:ln>
+        </p:spPr>
+        <p:style>
+          <a:lnRef idx="1">
+            <a:schemeClr val="accent1"/>
+          </a:lnRef>
+          <a:fillRef idx="0">
+            <a:schemeClr val="accent1"/>
+          </a:fillRef>
+          <a:effectRef idx="0">
+            <a:schemeClr val="accent1"/>
+          </a:effectRef>
+          <a:fontRef idx="minor">
+            <a:schemeClr val="tx1"/>
+          </a:fontRef>
+        </p:style>
+      </p:cxnSp>
+    </p:spTree>
+    <p:extLst>
+      <p:ext uri="{BB962C8B-B14F-4D97-AF65-F5344CB8AC3E}">
+        <p14:creationId xmlns:p14="http://schemas.microsoft.com/office/powerpoint/2010/main" val="2040332871"/>
+      </p:ext>
+    </p:extLst>
+  </p:cSld>
+  <p:clrMapOvr>
+    <a:masterClrMapping/>
+  </p:clrMapOvr>
+</p:sld>
+</file>
+
 <file path=ppt/theme/theme1.xml><?xml version="1.0" encoding="utf-8"?>
 <a:theme xmlns:a="http://schemas.openxmlformats.org/drawingml/2006/main" name="Office 主题">
   <a:themeElements>
